--- a/Project2_b.pptx
+++ b/Project2_b.pptx
@@ -9598,6 +9598,66 @@
           <a:bodyPr/>
           <a:lstStyle/>
           <a:p>
+            <a:pPr lvl="1"/>
+            <a:r>
+              <a:rPr lang="en-US" dirty="0"/>
+              <a:t>PROS</a:t>
+            </a:r>
+          </a:p>
+          <a:p>
+            <a:pPr lvl="1"/>
+            <a:endParaRPr lang="en-US" dirty="0"/>
+          </a:p>
+          <a:p>
+            <a:pPr lvl="1"/>
+            <a:r>
+              <a:rPr lang="en-US" dirty="0"/>
+              <a:t> Random Forest produces a highly accurate classifier.</a:t>
+            </a:r>
+          </a:p>
+          <a:p>
+            <a:pPr lvl="1"/>
+            <a:r>
+              <a:rPr lang="en-US" dirty="0"/>
+              <a:t>Runs efficiently on large databases</a:t>
+            </a:r>
+          </a:p>
+          <a:p>
+            <a:pPr lvl="1"/>
+            <a:r>
+              <a:rPr lang="en-US" dirty="0"/>
+              <a:t> Can handle multiple input variables without variable deletion.</a:t>
+            </a:r>
+          </a:p>
+          <a:p>
+            <a:pPr lvl="1"/>
+            <a:r>
+              <a:rPr lang="en-US" dirty="0"/>
+              <a:t>Generates an internal unbiased estimate of the generalization error as the forest building progresses.</a:t>
+            </a:r>
+          </a:p>
+          <a:p>
+            <a:pPr lvl="1"/>
+            <a:endParaRPr lang="en-US" dirty="0"/>
+          </a:p>
+          <a:p>
+            <a:pPr lvl="1"/>
+            <a:r>
+              <a:rPr lang="en-US" dirty="0"/>
+              <a:t>CONS</a:t>
+            </a:r>
+          </a:p>
+          <a:p>
+            <a:pPr lvl="1"/>
+            <a:r>
+              <a:rPr lang="en-US" dirty="0"/>
+              <a:t>Can have a tendency to overfit some datasets with noisy classification/regression tasks</a:t>
+            </a:r>
+          </a:p>
+          <a:p>
+            <a:pPr marL="1471400" lvl="8" indent="0">
+              <a:buNone/>
+            </a:pPr>
             <a:endParaRPr lang="en-US" dirty="0"/>
           </a:p>
         </p:txBody>
@@ -12544,21 +12604,21 @@
 </file>
 
 <file path=customXml/item1.xml><?xml version="1.0" encoding="utf-8"?>
+<p:properties xmlns:p="http://schemas.microsoft.com/office/2006/metadata/properties" xmlns:xsi="http://www.w3.org/2001/XMLSchema-instance" xmlns:pc="http://schemas.microsoft.com/office/infopath/2007/PartnerControls">
+  <documentManagement>
+    <Status xmlns="71af3243-3dd4-4a8d-8c0d-dd76da1f02a5">Not started</Status>
+    <MediaServiceKeyPoints xmlns="71af3243-3dd4-4a8d-8c0d-dd76da1f02a5" xsi:nil="true"/>
+  </documentManagement>
+</p:properties>
+</file>
+
+<file path=customXml/item2.xml><?xml version="1.0" encoding="utf-8"?>
 <?mso-contentType ?>
 <FormTemplates xmlns="http://schemas.microsoft.com/sharepoint/v3/contenttype/forms">
   <Display>DocumentLibraryForm</Display>
   <Edit>DocumentLibraryForm</Edit>
   <New>DocumentLibraryForm</New>
 </FormTemplates>
-</file>
-
-<file path=customXml/item2.xml><?xml version="1.0" encoding="utf-8"?>
-<p:properties xmlns:p="http://schemas.microsoft.com/office/2006/metadata/properties" xmlns:xsi="http://www.w3.org/2001/XMLSchema-instance" xmlns:pc="http://schemas.microsoft.com/office/infopath/2007/PartnerControls">
-  <documentManagement>
-    <Status xmlns="71af3243-3dd4-4a8d-8c0d-dd76da1f02a5">Not started</Status>
-    <MediaServiceKeyPoints xmlns="71af3243-3dd4-4a8d-8c0d-dd76da1f02a5" xsi:nil="true"/>
-  </documentManagement>
-</p:properties>
 </file>
 
 <file path=customXml/item3.xml><?xml version="1.0" encoding="utf-8"?>
@@ -12783,19 +12843,19 @@
 </file>
 
 <file path=customXml/itemProps1.xml><?xml version="1.0" encoding="utf-8"?>
-<ds:datastoreItem xmlns:ds="http://schemas.openxmlformats.org/officeDocument/2006/customXml" ds:itemID="{AA3F7EDC-E5B4-4BBC-9D2A-CBE6D46C37AD}">
+<ds:datastoreItem xmlns:ds="http://schemas.openxmlformats.org/officeDocument/2006/customXml" ds:itemID="{A03EEFF0-FB57-4CB4-8BFC-DF397689E2ED}">
   <ds:schemaRefs>
-    <ds:schemaRef ds:uri="http://schemas.microsoft.com/sharepoint/v3/contenttype/forms"/>
+    <ds:schemaRef ds:uri="http://schemas.microsoft.com/office/2006/metadata/properties"/>
+    <ds:schemaRef ds:uri="http://schemas.microsoft.com/office/infopath/2007/PartnerControls"/>
+    <ds:schemaRef ds:uri="71af3243-3dd4-4a8d-8c0d-dd76da1f02a5"/>
   </ds:schemaRefs>
 </ds:datastoreItem>
 </file>
 
 <file path=customXml/itemProps2.xml><?xml version="1.0" encoding="utf-8"?>
-<ds:datastoreItem xmlns:ds="http://schemas.openxmlformats.org/officeDocument/2006/customXml" ds:itemID="{A03EEFF0-FB57-4CB4-8BFC-DF397689E2ED}">
+<ds:datastoreItem xmlns:ds="http://schemas.openxmlformats.org/officeDocument/2006/customXml" ds:itemID="{AA3F7EDC-E5B4-4BBC-9D2A-CBE6D46C37AD}">
   <ds:schemaRefs>
-    <ds:schemaRef ds:uri="http://schemas.microsoft.com/office/2006/metadata/properties"/>
-    <ds:schemaRef ds:uri="http://schemas.microsoft.com/office/infopath/2007/PartnerControls"/>
-    <ds:schemaRef ds:uri="71af3243-3dd4-4a8d-8c0d-dd76da1f02a5"/>
+    <ds:schemaRef ds:uri="http://schemas.microsoft.com/sharepoint/v3/contenttype/forms"/>
   </ds:schemaRefs>
 </ds:datastoreItem>
 </file>
